--- a/자료구조 설계 초안.pptx
+++ b/자료구조 설계 초안.pptx
@@ -6124,11 +6124,13 @@
         <p:spPr>
           <a:xfrm>
             <a:off x="1034881" y="1866899"/>
-            <a:ext cx="9905998" cy="3124201"/>
+            <a:ext cx="9905998" cy="4329715"/>
           </a:xfrm>
         </p:spPr>
         <p:txBody>
-          <a:bodyPr/>
+          <a:bodyPr>
+            <a:normAutofit/>
+          </a:bodyPr>
           <a:lstStyle/>
           <a:p>
             <a:r>
@@ -6167,7 +6169,24 @@
               <a:rPr lang="en-US" altLang="ko-KR" dirty="0"/>
               <a:t>.</a:t>
             </a:r>
-            <a:endParaRPr lang="ko-KR" altLang="en-US" dirty="0"/>
+          </a:p>
+          <a:p>
+            <a:r>
+              <a:rPr lang="ko-KR" altLang="en-US" dirty="0"/>
+              <a:t>휴대폰들이 시간에 따라 시시각각으로 와이파이에 들어갔다 나가므로 </a:t>
+            </a:r>
+            <a:r>
+              <a:rPr lang="en-US" altLang="ko-KR" dirty="0"/>
+              <a:t>dynamic graph</a:t>
+            </a:r>
+            <a:r>
+              <a:rPr lang="ko-KR" altLang="en-US" dirty="0"/>
+              <a:t>와 적합하다고 생각하였다</a:t>
+            </a:r>
+            <a:r>
+              <a:rPr lang="en-US" altLang="ko-KR" dirty="0"/>
+              <a:t>.</a:t>
+            </a:r>
           </a:p>
         </p:txBody>
       </p:sp>
@@ -6677,7 +6696,15 @@
             </a:r>
             <a:r>
               <a:rPr lang="ko-KR" altLang="en-US" sz="2400" dirty="0"/>
-              <a:t>에 어떤 방식이 사용되는지를 알아볼 수 있다</a:t>
+              <a:t>에 어떤 방식이 사용되는지를 </a:t>
+            </a:r>
+            <a:r>
+              <a:rPr lang="en-US" altLang="ko-KR" sz="2400" dirty="0"/>
+              <a:t>weight</a:t>
+            </a:r>
+            <a:r>
+              <a:rPr lang="ko-KR" altLang="en-US" sz="2400" dirty="0"/>
+              <a:t>를 이용해 알아볼 수 있다</a:t>
             </a:r>
             <a:r>
               <a:rPr lang="en-US" altLang="ko-KR" sz="2400" dirty="0"/>
@@ -6697,7 +6724,6 @@
               <a:rPr lang="en-US" altLang="ko-KR" sz="2400" dirty="0"/>
               <a:t>.</a:t>
             </a:r>
-            <a:endParaRPr lang="ko-KR" altLang="en-US" sz="2400" dirty="0"/>
           </a:p>
         </p:txBody>
       </p:sp>

--- a/자료구조 설계 초안.pptx
+++ b/자료구조 설계 초안.pptx
@@ -6680,23 +6680,7 @@
             </a:r>
             <a:r>
               <a:rPr lang="ko-KR" altLang="en-US" sz="2400" dirty="0"/>
-              <a:t>스마트폰과 와이파이의 우선연결과정</a:t>
-            </a:r>
-            <a:r>
-              <a:rPr lang="en-US" altLang="ko-KR" sz="2400" dirty="0"/>
-              <a:t>(</a:t>
-            </a:r>
-            <a:r>
-              <a:rPr lang="ko-KR" altLang="en-US" sz="2400" dirty="0"/>
-              <a:t>즉 성능의 좋은 휴대전화의 경우 먼저 연결되는 과정</a:t>
-            </a:r>
-            <a:r>
-              <a:rPr lang="en-US" altLang="ko-KR" sz="2400" dirty="0"/>
-              <a:t>)</a:t>
-            </a:r>
-            <a:r>
-              <a:rPr lang="ko-KR" altLang="en-US" sz="2400" dirty="0"/>
-              <a:t>에 어떤 방식이 사용되는지를 </a:t>
+              <a:t>스마트폰에 잡힌 여러 와이파이들을 중 와이파이 강도가 쌘 와이파이에 </a:t>
             </a:r>
             <a:r>
               <a:rPr lang="en-US" altLang="ko-KR" sz="2400" dirty="0"/>
@@ -6704,7 +6688,7 @@
             </a:r>
             <a:r>
               <a:rPr lang="ko-KR" altLang="en-US" sz="2400" dirty="0"/>
-              <a:t>를 이용해 알아볼 수 있다</a:t>
+              <a:t>를 줘서 스마트폰이 원활한 데이터이용을 할 수 있다</a:t>
             </a:r>
             <a:r>
               <a:rPr lang="en-US" altLang="ko-KR" sz="2400" dirty="0"/>
@@ -6719,6 +6703,28 @@
             <a:r>
               <a:rPr lang="ko-KR" altLang="en-US" sz="2400" dirty="0"/>
               <a:t>현재 통신사의 와이파이와 스마트폰 연결방식에 대해 알아 볼 수 있다</a:t>
+            </a:r>
+            <a:r>
+              <a:rPr lang="en-US" altLang="ko-KR" sz="2400" dirty="0"/>
+              <a:t>.</a:t>
+            </a:r>
+          </a:p>
+          <a:p>
+            <a:r>
+              <a:rPr lang="en-US" altLang="ko-KR" sz="2400" dirty="0"/>
+              <a:t>4. </a:t>
+            </a:r>
+            <a:r>
+              <a:rPr lang="ko-KR" altLang="en-US" sz="2400" dirty="0"/>
+              <a:t>코드를 개선한 경우를 통해 좀 더 휴대전화가 와이파이에 최적으로 접근하고 한 와이파이에 휴대전화들이 뭉쳐 </a:t>
+            </a:r>
+            <a:r>
+              <a:rPr lang="ko-KR" altLang="en-US" sz="2400" dirty="0" err="1"/>
+              <a:t>느려지는</a:t>
+            </a:r>
+            <a:r>
+              <a:rPr lang="ko-KR" altLang="en-US" sz="2400" dirty="0"/>
+              <a:t> 것을 보안할 수 있다</a:t>
             </a:r>
             <a:r>
               <a:rPr lang="en-US" altLang="ko-KR" sz="2400" dirty="0"/>

--- a/자료구조 설계 초안.pptx
+++ b/자료구조 설계 초안.pptx
@@ -111,6 +111,11 @@
       </a:defRPr>
     </a:lvl9pPr>
   </p:defaultTextStyle>
+  <p:extLst>
+    <p:ext uri="{EFAFB233-063F-42B5-8137-9DF3F51BA10A}">
+      <p15:sldGuideLst xmlns:p15="http://schemas.microsoft.com/office/powerpoint/2012/main"/>
+    </p:ext>
+  </p:extLst>
 </p:presentation>
 </file>
 
@@ -6188,6 +6193,25 @@
               <a:t>.</a:t>
             </a:r>
           </a:p>
+          <a:p>
+            <a:r>
+              <a:rPr lang="ko-KR" altLang="en-US" dirty="0"/>
+              <a:t>휴대폰이 와이파이와 연결이 되어있지만 데이터가 사용되지 않는 경우 와이파이가 휴대폰이 연결이 되어있지 않지만 데이터가 사용되는 경우 </a:t>
+            </a:r>
+            <a:r>
+              <a:rPr lang="en-US" altLang="ko-KR" dirty="0"/>
+              <a:t>edge</a:t>
+            </a:r>
+            <a:r>
+              <a:rPr lang="ko-KR" altLang="en-US" dirty="0"/>
+              <a:t>의 방향성 또한 가능하다고 생각하였다</a:t>
+            </a:r>
+            <a:r>
+              <a:rPr lang="en-US" altLang="ko-KR"/>
+              <a:t>.</a:t>
+            </a:r>
+            <a:endParaRPr lang="en-US" altLang="ko-KR" dirty="0"/>
+          </a:p>
         </p:txBody>
       </p:sp>
     </p:spTree>
